--- a/sesnor_attack.pptx
+++ b/sesnor_attack.pptx
@@ -4446,7 +4446,7 @@
         <p:spPr>
           <a:xfrm>
             <a:off x="1774762" y="4457700"/>
-            <a:ext cx="8197913" cy="0"/>
+            <a:ext cx="9181260" cy="0"/>
           </a:xfrm>
           <a:prstGeom prst="straightConnector1">
             <a:avLst/>
@@ -4487,7 +4487,7 @@
             <p:spPr>
               <a:xfrm>
                 <a:off x="2770105" y="4457700"/>
-                <a:ext cx="420308" cy="369332"/>
+                <a:ext cx="444994" cy="369332"/>
               </a:xfrm>
               <a:prstGeom prst="rect">
                 <a:avLst/>
@@ -4528,7 +4528,7 @@
                             <a:rPr lang="en-US" b="0" i="1" smtClean="0">
                               <a:latin typeface="Cambria Math" panose="02040503050406030204" pitchFamily="18" charset="0"/>
                             </a:rPr>
-                            <m:t>𝑠</m:t>
+                            <m:t>𝑎</m:t>
                           </m:r>
                         </m:sub>
                       </m:sSub>
@@ -4558,7 +4558,7 @@
             <p:spPr>
               <a:xfrm>
                 <a:off x="2770105" y="4457700"/>
-                <a:ext cx="420308" cy="369332"/>
+                <a:ext cx="444994" cy="369332"/>
               </a:xfrm>
               <a:prstGeom prst="rect">
                 <a:avLst/>
@@ -5687,8 +5687,8 @@
           </a:fontRef>
         </p:style>
       </p:cxnSp>
-      <mc:AlternateContent xmlns:mc="http://schemas.openxmlformats.org/markup-compatibility/2006" xmlns:a14="http://schemas.microsoft.com/office/drawing/2010/main">
-        <mc:Choice Requires="a14">
+      <mc:AlternateContent xmlns:mc="http://schemas.openxmlformats.org/markup-compatibility/2006">
+        <mc:Choice xmlns:a14="http://schemas.microsoft.com/office/drawing/2010/main" Requires="a14">
           <p:sp>
             <p:nvSpPr>
               <p:cNvPr id="48" name="TextBox 47">
@@ -5703,7 +5703,7 @@
             </p:nvSpPr>
             <p:spPr>
               <a:xfrm>
-                <a:off x="9740500" y="4434840"/>
+                <a:off x="10673460" y="4453890"/>
                 <a:ext cx="277895" cy="369332"/>
               </a:xfrm>
               <a:prstGeom prst="rect">
@@ -5738,7 +5738,7 @@
             </p:txBody>
           </p:sp>
         </mc:Choice>
-        <mc:Fallback xmlns="">
+        <mc:Fallback>
           <p:sp>
             <p:nvSpPr>
               <p:cNvPr id="48" name="TextBox 47">
@@ -5755,7 +5755,7 @@
             </p:nvSpPr>
             <p:spPr>
               <a:xfrm>
-                <a:off x="9740500" y="4434840"/>
+                <a:off x="10673460" y="4453890"/>
                 <a:ext cx="277895" cy="369332"/>
               </a:xfrm>
               <a:prstGeom prst="rect">
@@ -5783,6 +5783,124 @@
           </p:sp>
         </mc:Fallback>
       </mc:AlternateContent>
+      <p:sp>
+        <p:nvSpPr>
+          <p:cNvPr id="44" name="TextBox 43">
+            <a:extLst>
+              <a:ext uri="{FF2B5EF4-FFF2-40B4-BE49-F238E27FC236}">
+                <a16:creationId xmlns:a16="http://schemas.microsoft.com/office/drawing/2014/main" id="{5E97314F-FCD4-4B58-AF5B-FE855789A198}"/>
+              </a:ext>
+            </a:extLst>
+          </p:cNvPr>
+          <p:cNvSpPr txBox="1"/>
+          <p:nvPr/>
+        </p:nvSpPr>
+        <p:spPr>
+          <a:xfrm>
+            <a:off x="9491671" y="2287762"/>
+            <a:ext cx="1459684" cy="646331"/>
+          </a:xfrm>
+          <a:prstGeom prst="rect">
+            <a:avLst/>
+          </a:prstGeom>
+          <a:noFill/>
+          <a:ln>
+            <a:solidFill>
+              <a:schemeClr val="tx1"/>
+            </a:solidFill>
+          </a:ln>
+        </p:spPr>
+        <p:txBody>
+          <a:bodyPr wrap="square" rtlCol="0">
+            <a:spAutoFit/>
+          </a:bodyPr>
+          <a:lstStyle/>
+          <a:p>
+            <a:r>
+              <a:rPr lang="en-US" dirty="0"/>
+              <a:t>Sensor 1</a:t>
+            </a:r>
+          </a:p>
+          <a:p>
+            <a:r>
+              <a:rPr lang="en-US" dirty="0"/>
+              <a:t>Sensor 2</a:t>
+            </a:r>
+          </a:p>
+        </p:txBody>
+      </p:sp>
+      <p:cxnSp>
+        <p:nvCxnSpPr>
+          <p:cNvPr id="22" name="Straight Connector 21">
+            <a:extLst>
+              <a:ext uri="{FF2B5EF4-FFF2-40B4-BE49-F238E27FC236}">
+                <a16:creationId xmlns:a16="http://schemas.microsoft.com/office/drawing/2014/main" id="{BFB48F55-D9D3-45DE-9F5F-2A7181DBB833}"/>
+              </a:ext>
+            </a:extLst>
+          </p:cNvPr>
+          <p:cNvCxnSpPr/>
+          <p:nvPr/>
+        </p:nvCxnSpPr>
+        <p:spPr>
+          <a:xfrm>
+            <a:off x="10452683" y="2466363"/>
+            <a:ext cx="376502" cy="0"/>
+          </a:xfrm>
+          <a:prstGeom prst="line">
+            <a:avLst/>
+          </a:prstGeom>
+        </p:spPr>
+        <p:style>
+          <a:lnRef idx="3">
+            <a:schemeClr val="accent1"/>
+          </a:lnRef>
+          <a:fillRef idx="0">
+            <a:schemeClr val="accent1"/>
+          </a:fillRef>
+          <a:effectRef idx="2">
+            <a:schemeClr val="accent1"/>
+          </a:effectRef>
+          <a:fontRef idx="minor">
+            <a:schemeClr val="tx1"/>
+          </a:fontRef>
+        </p:style>
+      </p:cxnSp>
+      <p:cxnSp>
+        <p:nvCxnSpPr>
+          <p:cNvPr id="49" name="Straight Connector 48">
+            <a:extLst>
+              <a:ext uri="{FF2B5EF4-FFF2-40B4-BE49-F238E27FC236}">
+                <a16:creationId xmlns:a16="http://schemas.microsoft.com/office/drawing/2014/main" id="{DB0157DC-EAE1-41E9-8AEA-22B485D9A98C}"/>
+              </a:ext>
+            </a:extLst>
+          </p:cNvPr>
+          <p:cNvCxnSpPr/>
+          <p:nvPr/>
+        </p:nvCxnSpPr>
+        <p:spPr>
+          <a:xfrm>
+            <a:off x="10473523" y="2768421"/>
+            <a:ext cx="376502" cy="0"/>
+          </a:xfrm>
+          <a:prstGeom prst="line">
+            <a:avLst/>
+          </a:prstGeom>
+        </p:spPr>
+        <p:style>
+          <a:lnRef idx="3">
+            <a:schemeClr val="accent2"/>
+          </a:lnRef>
+          <a:fillRef idx="0">
+            <a:schemeClr val="accent2"/>
+          </a:fillRef>
+          <a:effectRef idx="2">
+            <a:schemeClr val="accent2"/>
+          </a:effectRef>
+          <a:fontRef idx="minor">
+            <a:schemeClr val="tx1"/>
+          </a:fontRef>
+        </p:style>
+      </p:cxnSp>
     </p:spTree>
     <p:extLst>
       <p:ext uri="{BB962C8B-B14F-4D97-AF65-F5344CB8AC3E}">
